--- a/lessons/11_max_pooling_layer_backward/ppt/最大池化层的后向传播推导.pptx
+++ b/lessons/11_max_pooling_layer_backward/ppt/最大池化层的后向传播推导.pptx
@@ -7509,10 +7509,10 @@
       </p:sp>
       <p:pic>
         <p:nvPicPr>
-          <p:cNvPr id="2" name="图片 1">
+          <p:cNvPr id="5" name="图片 4">
             <a:extLst>
               <a:ext uri="{FF2B5EF4-FFF2-40B4-BE49-F238E27FC236}">
-                <a16:creationId xmlns:a16="http://schemas.microsoft.com/office/drawing/2014/main" id="{6C44A124-A17F-5049-C6EB-3A37F08ABA25}"/>
+                <a16:creationId xmlns:a16="http://schemas.microsoft.com/office/drawing/2014/main" id="{BDEE824C-7254-BA11-2185-863ADD2C6DD8}"/>
               </a:ext>
             </a:extLst>
           </p:cNvPr>
@@ -7535,8 +7535,44 @@
         </p:blipFill>
         <p:spPr>
           <a:xfrm>
-            <a:off x="3965670" y="641550"/>
-            <a:ext cx="2982322" cy="5284063"/>
+            <a:off x="4457700" y="641550"/>
+            <a:ext cx="3276600" cy="4622800"/>
+          </a:xfrm>
+          <a:prstGeom prst="rect">
+            <a:avLst/>
+          </a:prstGeom>
+        </p:spPr>
+      </p:pic>
+      <p:pic>
+        <p:nvPicPr>
+          <p:cNvPr id="10" name="图片 9">
+            <a:extLst>
+              <a:ext uri="{FF2B5EF4-FFF2-40B4-BE49-F238E27FC236}">
+                <a16:creationId xmlns:a16="http://schemas.microsoft.com/office/drawing/2014/main" id="{8EB6C474-31AC-85DC-76B6-248A18B720ED}"/>
+              </a:ext>
+            </a:extLst>
+          </p:cNvPr>
+          <p:cNvPicPr>
+            <a:picLocks noChangeAspect="1"/>
+          </p:cNvPicPr>
+          <p:nvPr/>
+        </p:nvPicPr>
+        <p:blipFill>
+          <a:blip r:embed="rId4">
+            <a:extLst>
+              <a:ext uri="{28A0092B-C50C-407E-A947-70E740481C1C}">
+                <a14:useLocalDpi xmlns:a14="http://schemas.microsoft.com/office/drawing/2010/main" val="0"/>
+              </a:ext>
+            </a:extLst>
+          </a:blip>
+          <a:stretch>
+            <a:fillRect/>
+          </a:stretch>
+        </p:blipFill>
+        <p:spPr>
+          <a:xfrm>
+            <a:off x="4457700" y="5425691"/>
+            <a:ext cx="2159000" cy="990600"/>
           </a:xfrm>
           <a:prstGeom prst="rect">
             <a:avLst/>
@@ -7556,81 +7592,6 @@
   <p:clrMapOvr>
     <a:masterClrMapping/>
   </p:clrMapOvr>
-  <p:timing>
-    <p:tnLst>
-      <p:par>
-        <p:cTn id="1" dur="indefinite" restart="never" nodeType="tmRoot">
-          <p:childTnLst>
-            <p:seq concurrent="1" nextAc="seek">
-              <p:cTn id="2" dur="indefinite" nodeType="mainSeq">
-                <p:childTnLst>
-                  <p:par>
-                    <p:cTn id="3" fill="hold">
-                      <p:stCondLst>
-                        <p:cond delay="indefinite"/>
-                      </p:stCondLst>
-                      <p:childTnLst>
-                        <p:par>
-                          <p:cTn id="4" fill="hold">
-                            <p:stCondLst>
-                              <p:cond delay="0"/>
-                            </p:stCondLst>
-                            <p:childTnLst>
-                              <p:par>
-                                <p:cTn id="5" presetID="1" presetClass="entr" presetSubtype="0" fill="hold" nodeType="clickEffect">
-                                  <p:stCondLst>
-                                    <p:cond delay="0"/>
-                                  </p:stCondLst>
-                                  <p:childTnLst>
-                                    <p:set>
-                                      <p:cBhvr>
-                                        <p:cTn id="6" dur="1" fill="hold">
-                                          <p:stCondLst>
-                                            <p:cond delay="0"/>
-                                          </p:stCondLst>
-                                        </p:cTn>
-                                        <p:tgtEl>
-                                          <p:spTgt spid="2"/>
-                                        </p:tgtEl>
-                                        <p:attrNameLst>
-                                          <p:attrName>style.visibility</p:attrName>
-                                        </p:attrNameLst>
-                                      </p:cBhvr>
-                                      <p:to>
-                                        <p:strVal val="visible"/>
-                                      </p:to>
-                                    </p:set>
-                                  </p:childTnLst>
-                                </p:cTn>
-                              </p:par>
-                            </p:childTnLst>
-                          </p:cTn>
-                        </p:par>
-                      </p:childTnLst>
-                    </p:cTn>
-                  </p:par>
-                </p:childTnLst>
-              </p:cTn>
-              <p:prevCondLst>
-                <p:cond evt="onPrev" delay="0">
-                  <p:tgtEl>
-                    <p:sldTgt/>
-                  </p:tgtEl>
-                </p:cond>
-              </p:prevCondLst>
-              <p:nextCondLst>
-                <p:cond evt="onNext" delay="0">
-                  <p:tgtEl>
-                    <p:sldTgt/>
-                  </p:tgtEl>
-                </p:cond>
-              </p:nextCondLst>
-            </p:seq>
-          </p:childTnLst>
-        </p:cTn>
-      </p:par>
-    </p:tnLst>
-  </p:timing>
 </p:sld>
 </file>
 
